--- a/02_slides/Statistics for linguists 2023-11-29.pptx
+++ b/02_slides/Statistics for linguists 2023-11-29.pptx
@@ -356,7 +356,7 @@
             <a:fld id="{CF6B583C-CB3F-4320-90AB-5D7880EB4600}" type="datetime1">
               <a:rPr lang="es-BO"/>
               <a:pPr lvl="0"/>
-              <a:t>29/11/2023</a:t>
+              <a:t>11/12/2023</a:t>
             </a:fld>
             <a:endParaRPr lang="es-BO"/>
           </a:p>
@@ -593,7 +593,7 @@
             <a:fld id="{7FCDBFCD-FEAB-4B3A-9170-FA87733847B1}" type="datetime1">
               <a:rPr lang="es-BO"/>
               <a:pPr lvl="0"/>
-              <a:t>29/11/2023</a:t>
+              <a:t>11/12/2023</a:t>
             </a:fld>
             <a:endParaRPr lang="es-BO"/>
           </a:p>
@@ -839,7 +839,7 @@
             <a:fld id="{283F8085-B216-4DCE-854D-926A29902BED}" type="datetime1">
               <a:rPr lang="es-BO"/>
               <a:pPr lvl="0"/>
-              <a:t>29/11/2023</a:t>
+              <a:t>11/12/2023</a:t>
             </a:fld>
             <a:endParaRPr lang="es-BO"/>
           </a:p>
@@ -1075,7 +1075,7 @@
             <a:fld id="{030F9925-0AA9-4886-BE22-717A27813901}" type="datetime1">
               <a:rPr lang="es-BO"/>
               <a:pPr lvl="0"/>
-              <a:t>29/11/2023</a:t>
+              <a:t>11/12/2023</a:t>
             </a:fld>
             <a:endParaRPr lang="es-BO"/>
           </a:p>
@@ -1286,7 +1286,7 @@
             <a:fld id="{0D681A73-B306-4E29-A7B1-961AF3F96974}" type="datetime1">
               <a:rPr lang="es-BO"/>
               <a:pPr lvl="0"/>
-              <a:t>29/11/2023</a:t>
+              <a:t>11/12/2023</a:t>
             </a:fld>
             <a:endParaRPr lang="es-BO"/>
           </a:p>
@@ -1606,7 +1606,7 @@
             <a:fld id="{6D64A31B-5107-42DF-838D-7BE0D5925B29}" type="datetime1">
               <a:rPr lang="es-BO"/>
               <a:pPr lvl="0"/>
-              <a:t>29/11/2023</a:t>
+              <a:t>11/12/2023</a:t>
             </a:fld>
             <a:endParaRPr lang="es-BO"/>
           </a:p>
@@ -2009,7 +2009,7 @@
             <a:fld id="{ED6339D2-98A0-4385-8045-F50A15CF62F2}" type="datetime1">
               <a:rPr lang="es-BO"/>
               <a:pPr lvl="0"/>
-              <a:t>29/11/2023</a:t>
+              <a:t>11/12/2023</a:t>
             </a:fld>
             <a:endParaRPr lang="es-BO"/>
           </a:p>
@@ -2171,7 +2171,7 @@
             <a:fld id="{EEB873B7-79F3-4980-BFF9-93A68AB13DC7}" type="datetime1">
               <a:rPr lang="es-BO"/>
               <a:pPr lvl="0"/>
-              <a:t>29/11/2023</a:t>
+              <a:t>11/12/2023</a:t>
             </a:fld>
             <a:endParaRPr lang="es-BO"/>
           </a:p>
@@ -2299,7 +2299,7 @@
             <a:fld id="{575AA441-6C1F-48A8-8C59-187BDDFFB634}" type="datetime1">
               <a:rPr lang="es-BO"/>
               <a:pPr lvl="0"/>
-              <a:t>29/11/2023</a:t>
+              <a:t>11/12/2023</a:t>
             </a:fld>
             <a:endParaRPr lang="es-BO"/>
           </a:p>
@@ -2584,7 +2584,7 @@
             <a:fld id="{9917F501-1AC7-48FD-BC91-AF5293903EC9}" type="datetime1">
               <a:rPr lang="es-BO"/>
               <a:pPr lvl="0"/>
-              <a:t>29/11/2023</a:t>
+              <a:t>11/12/2023</a:t>
             </a:fld>
             <a:endParaRPr lang="es-BO"/>
           </a:p>
@@ -2826,7 +2826,7 @@
             <a:fld id="{68FAEEF7-BDB7-478B-99D9-0766A931006F}" type="datetime1">
               <a:rPr lang="es-BO"/>
               <a:pPr lvl="0"/>
-              <a:t>29/11/2023</a:t>
+              <a:t>11/12/2023</a:t>
             </a:fld>
             <a:endParaRPr lang="es-BO"/>
           </a:p>
@@ -3109,7 +3109,7 @@
             <a:fld id="{42B171B8-1F4E-4F34-9C9E-F7BD185BCAF2}" type="datetime1">
               <a:rPr lang="es-BO"/>
               <a:pPr lvl="0"/>
-              <a:t>29/11/2023</a:t>
+              <a:t>11/12/2023</a:t>
             </a:fld>
             <a:endParaRPr lang="es-BO"/>
           </a:p>
@@ -6119,8 +6119,8 @@
           </a:p>
         </p:txBody>
       </p:sp>
-      <mc:AlternateContent xmlns:mc="http://schemas.openxmlformats.org/markup-compatibility/2006" xmlns:a14="http://schemas.microsoft.com/office/drawing/2010/main">
-        <mc:Choice Requires="a14">
+      <mc:AlternateContent xmlns:mc="http://schemas.openxmlformats.org/markup-compatibility/2006">
+        <mc:Choice xmlns:a14="http://schemas.microsoft.com/office/drawing/2010/main" Requires="a14">
           <p:sp>
             <p:nvSpPr>
               <p:cNvPr id="3" name="TextBox 4">
@@ -6178,7 +6178,7 @@
                     </m:oMathParaPr>
                     <m:oMath xmlns:m="http://schemas.openxmlformats.org/officeDocument/2006/math">
                       <m:r>
-                        <a:rPr lang="es-BO" sz="2400" i="1">
+                        <a:rPr lang="es-BO" sz="2400" i="1" smtClean="0">
                           <a:latin typeface="Cambria Math" panose="02040503050406030204" pitchFamily="18" charset="0"/>
                         </a:rPr>
                         <m:t>𝑦</m:t>
@@ -6190,7 +6190,7 @@
                         <m:t>=</m:t>
                       </m:r>
                       <m:r>
-                        <a:rPr lang="es-BO" sz="2400" i="1">
+                        <a:rPr lang="en-US" sz="2400" b="0" i="1" smtClean="0">
                           <a:latin typeface="Cambria Math" panose="02040503050406030204" pitchFamily="18" charset="0"/>
                         </a:rPr>
                         <m:t>𝑎</m:t>
@@ -6202,10 +6202,10 @@
                         <m:t>+</m:t>
                       </m:r>
                       <m:r>
-                        <a:rPr lang="es-BO" sz="2400" i="1">
+                        <a:rPr lang="en-US" sz="2400" b="0" i="1" smtClean="0">
                           <a:latin typeface="Cambria Math" panose="02040503050406030204" pitchFamily="18" charset="0"/>
                         </a:rPr>
-                        <m:t>𝛽</m:t>
+                        <m:t>𝑏</m:t>
                       </m:r>
                       <m:r>
                         <a:rPr lang="es-BO" sz="2400" i="1">
@@ -6220,13 +6220,13 @@
                         <m:t>+</m:t>
                       </m:r>
                       <m:r>
-                        <a:rPr lang="es-BO" sz="2400" b="1" i="1" smtClean="0">
+                        <a:rPr lang="en-US" sz="2400" b="0" i="1" smtClean="0">
                           <a:solidFill>
                             <a:srgbClr val="C00000"/>
                           </a:solidFill>
                           <a:latin typeface="Cambria Math" panose="02040503050406030204" pitchFamily="18" charset="0"/>
                         </a:rPr>
-                        <m:t>𝝐</m:t>
+                        <m:t>𝑒</m:t>
                       </m:r>
                     </m:oMath>
                   </m:oMathPara>
@@ -6242,7 +6242,7 @@
             </p:txBody>
           </p:sp>
         </mc:Choice>
-        <mc:Fallback xmlns="">
+        <mc:Fallback>
           <p:sp>
             <p:nvSpPr>
               <p:cNvPr id="3" name="TextBox 4">
@@ -6268,7 +6268,7 @@
               <a:blipFill>
                 <a:blip r:embed="rId2"/>
                 <a:stretch>
-                  <a:fillRect b="-17105"/>
+                  <a:fillRect b="-9211"/>
                 </a:stretch>
               </a:blipFill>
               <a:ln cap="flat">
@@ -6280,7 +6280,7 @@
               <a:lstStyle/>
               <a:p>
                 <a:r>
-                  <a:rPr lang="es-BO">
+                  <a:rPr lang="en-US">
                     <a:noFill/>
                   </a:rPr>
                   <a:t> </a:t>
@@ -6290,8 +6290,8 @@
           </p:sp>
         </mc:Fallback>
       </mc:AlternateContent>
-      <mc:AlternateContent xmlns:mc="http://schemas.openxmlformats.org/markup-compatibility/2006" xmlns:a14="http://schemas.microsoft.com/office/drawing/2010/main">
-        <mc:Choice Requires="a14">
+      <mc:AlternateContent xmlns:mc="http://schemas.openxmlformats.org/markup-compatibility/2006">
+        <mc:Choice xmlns:a14="http://schemas.microsoft.com/office/drawing/2010/main" Requires="a14">
           <p:sp>
             <p:nvSpPr>
               <p:cNvPr id="4" name="TextBox 5">
@@ -6349,7 +6349,7 @@
                     </m:oMathParaPr>
                     <m:oMath xmlns:m="http://schemas.openxmlformats.org/officeDocument/2006/math">
                       <m:r>
-                        <a:rPr lang="es-BO" sz="2400" i="1">
+                        <a:rPr lang="es-BO" sz="2400" i="1" smtClean="0">
                           <a:latin typeface="Cambria Math" panose="02040503050406030204" pitchFamily="18" charset="0"/>
                         </a:rPr>
                         <m:t>𝑦</m:t>
@@ -6373,10 +6373,10 @@
                         <m:t>+</m:t>
                       </m:r>
                       <m:r>
-                        <a:rPr lang="es-BO" sz="2400" i="1">
+                        <a:rPr lang="en-US" sz="2400" b="0" i="1" smtClean="0">
                           <a:latin typeface="Cambria Math" panose="02040503050406030204" pitchFamily="18" charset="0"/>
                         </a:rPr>
-                        <m:t>𝛽</m:t>
+                        <m:t>𝑏</m:t>
                       </m:r>
                       <m:r>
                         <a:rPr lang="es-BO" sz="2400" i="1">
@@ -6398,7 +6398,7 @@
             </p:txBody>
           </p:sp>
         </mc:Choice>
-        <mc:Fallback xmlns="">
+        <mc:Fallback>
           <p:sp>
             <p:nvSpPr>
               <p:cNvPr id="4" name="TextBox 5">
@@ -6424,7 +6424,7 @@
               <a:blipFill>
                 <a:blip r:embed="rId3"/>
                 <a:stretch>
-                  <a:fillRect b="-17105"/>
+                  <a:fillRect b="-10526"/>
                 </a:stretch>
               </a:blipFill>
               <a:ln cap="flat">
@@ -6436,7 +6436,7 @@
               <a:lstStyle/>
               <a:p>
                 <a:r>
-                  <a:rPr lang="es-BO">
+                  <a:rPr lang="en-US">
                     <a:noFill/>
                   </a:rPr>
                   <a:t> </a:t>
@@ -6446,8 +6446,8 @@
           </p:sp>
         </mc:Fallback>
       </mc:AlternateContent>
-      <mc:AlternateContent xmlns:mc="http://schemas.openxmlformats.org/markup-compatibility/2006" xmlns:a14="http://schemas.microsoft.com/office/drawing/2010/main">
-        <mc:Choice Requires="a14">
+      <mc:AlternateContent xmlns:mc="http://schemas.openxmlformats.org/markup-compatibility/2006">
+        <mc:Choice xmlns:a14="http://schemas.microsoft.com/office/drawing/2010/main" Requires="a14">
           <p:sp>
             <p:nvSpPr>
               <p:cNvPr id="5" name="TextBox 4">
@@ -6505,38 +6505,53 @@
                     </m:oMathParaPr>
                     <m:oMath xmlns:m="http://schemas.openxmlformats.org/officeDocument/2006/math">
                       <m:r>
-                        <a:rPr lang="es-BO" sz="2400" i="1">
+                        <a:rPr lang="es-BO" sz="2400" i="0" smtClean="0">
+                          <a:latin typeface="Math Cambria"/>
+                        </a:rPr>
+                        <m:t> </m:t>
+                      </m:r>
+                      <m:r>
+                        <a:rPr lang="en-US" sz="2400" b="0" i="1" smtClean="0">
                           <a:latin typeface="Cambria Math" panose="02040503050406030204" pitchFamily="18" charset="0"/>
                         </a:rPr>
-                        <m:t>𝜖</m:t>
+                        <m:t>𝑒</m:t>
+                      </m:r>
+                      <m:r>
+                        <a:rPr lang="en-US" sz="2400" b="0" i="0" smtClean="0">
+                          <a:latin typeface="Cambria Math" panose="02040503050406030204" pitchFamily="18" charset="0"/>
+                        </a:rPr>
+                        <m:t> </m:t>
                       </m:r>
                       <m:r>
                         <a:rPr lang="es-BO" sz="2400" i="0">
-                          <a:latin typeface="Cambria Math" panose="02040503050406030204" pitchFamily="18" charset="0"/>
+                          <a:latin typeface="Math Cambria"/>
                         </a:rPr>
-                        <m:t> ~ </m:t>
+                        <m:t>~ </m:t>
                       </m:r>
                       <m:r>
                         <a:rPr lang="es-BO" sz="2400" i="1">
-                          <a:latin typeface="Cambria Math" panose="02040503050406030204" pitchFamily="18" charset="0"/>
+                          <a:latin typeface="Math Cambria"/>
                         </a:rPr>
                         <m:t>𝑁</m:t>
                       </m:r>
                       <m:r>
                         <a:rPr lang="es-BO" sz="2400" i="0">
-                          <a:latin typeface="Cambria Math" panose="02040503050406030204" pitchFamily="18" charset="0"/>
+                          <a:latin typeface="Math Cambria"/>
                         </a:rPr>
                         <m:t>(0,</m:t>
                       </m:r>
                       <m:r>
-                        <a:rPr lang="es-BO" sz="2400" i="1">
+                        <m:rPr>
+                          <m:sty m:val="p"/>
+                        </m:rPr>
+                        <a:rPr lang="en-US" sz="2400" b="0" i="0" smtClean="0">
                           <a:latin typeface="Cambria Math" panose="02040503050406030204" pitchFamily="18" charset="0"/>
                         </a:rPr>
-                        <m:t>𝜎</m:t>
+                        <m:t>s</m:t>
                       </m:r>
                       <m:r>
                         <a:rPr lang="es-BO" sz="2400" i="0">
-                          <a:latin typeface="Cambria Math" panose="02040503050406030204" pitchFamily="18" charset="0"/>
+                          <a:latin typeface="Math Cambria"/>
                         </a:rPr>
                         <m:t>)</m:t>
                       </m:r>
@@ -6548,13 +6563,13 @@
                     <a:srgbClr val="000000"/>
                   </a:solidFill>
                   <a:uFillTx/>
-                  <a:latin typeface="Calibri"/>
+                  <a:latin typeface="Math Cambria"/>
                 </a:endParaRPr>
               </a:p>
             </p:txBody>
           </p:sp>
         </mc:Choice>
-        <mc:Fallback xmlns="">
+        <mc:Fallback>
           <p:sp>
             <p:nvSpPr>
               <p:cNvPr id="5" name="TextBox 4">
@@ -6592,7 +6607,7 @@
               <a:lstStyle/>
               <a:p>
                 <a:r>
-                  <a:rPr lang="es-BO">
+                  <a:rPr lang="en-US">
                     <a:noFill/>
                   </a:rPr>
                   <a:t> </a:t>
@@ -6756,7 +6771,7 @@
         </p:nvSpPr>
         <p:spPr>
           <a:xfrm>
-            <a:off x="6787207" y="3831771"/>
+            <a:off x="6836739" y="3797305"/>
             <a:ext cx="442917" cy="461662"/>
           </a:xfrm>
           <a:prstGeom prst="rect">
@@ -9372,8 +9387,8 @@
           </a:ln>
         </p:spPr>
       </p:pic>
-      <mc:AlternateContent xmlns:mc="http://schemas.openxmlformats.org/markup-compatibility/2006">
-        <mc:Choice xmlns:a14="http://schemas.microsoft.com/office/drawing/2010/main" Requires="a14">
+      <mc:AlternateContent xmlns:mc="http://schemas.openxmlformats.org/markup-compatibility/2006" xmlns:a14="http://schemas.microsoft.com/office/drawing/2010/main">
+        <mc:Choice Requires="a14">
           <p:sp>
             <p:nvSpPr>
               <p:cNvPr id="6" name="TextBox 1">
@@ -9518,7 +9533,7 @@
             </p:txBody>
           </p:sp>
         </mc:Choice>
-        <mc:Fallback>
+        <mc:Fallback xmlns="">
           <p:sp>
             <p:nvSpPr>
               <p:cNvPr id="6" name="TextBox 1">
@@ -10572,8 +10587,8 @@
           </a:p>
         </p:txBody>
       </p:sp>
-      <mc:AlternateContent xmlns:mc="http://schemas.openxmlformats.org/markup-compatibility/2006">
-        <mc:Choice xmlns:a14="http://schemas.microsoft.com/office/drawing/2010/main" Requires="a14">
+      <mc:AlternateContent xmlns:mc="http://schemas.openxmlformats.org/markup-compatibility/2006" xmlns:a14="http://schemas.microsoft.com/office/drawing/2010/main">
+        <mc:Choice Requires="a14">
           <p:sp>
             <p:nvSpPr>
               <p:cNvPr id="5" name="TextBox 9">
@@ -10689,7 +10704,7 @@
             </p:txBody>
           </p:sp>
         </mc:Choice>
-        <mc:Fallback>
+        <mc:Fallback xmlns="">
           <p:sp>
             <p:nvSpPr>
               <p:cNvPr id="5" name="TextBox 9">

--- a/02_slides/Statistics for linguists 2023-11-29.pptx
+++ b/02_slides/Statistics for linguists 2023-11-29.pptx
@@ -356,7 +356,7 @@
             <a:fld id="{CF6B583C-CB3F-4320-90AB-5D7880EB4600}" type="datetime1">
               <a:rPr lang="es-BO"/>
               <a:pPr lvl="0"/>
-              <a:t>11/12/2023</a:t>
+              <a:t>17/1/2024</a:t>
             </a:fld>
             <a:endParaRPr lang="es-BO"/>
           </a:p>
@@ -593,7 +593,7 @@
             <a:fld id="{7FCDBFCD-FEAB-4B3A-9170-FA87733847B1}" type="datetime1">
               <a:rPr lang="es-BO"/>
               <a:pPr lvl="0"/>
-              <a:t>11/12/2023</a:t>
+              <a:t>17/1/2024</a:t>
             </a:fld>
             <a:endParaRPr lang="es-BO"/>
           </a:p>
@@ -839,7 +839,7 @@
             <a:fld id="{283F8085-B216-4DCE-854D-926A29902BED}" type="datetime1">
               <a:rPr lang="es-BO"/>
               <a:pPr lvl="0"/>
-              <a:t>11/12/2023</a:t>
+              <a:t>17/1/2024</a:t>
             </a:fld>
             <a:endParaRPr lang="es-BO"/>
           </a:p>
@@ -1075,7 +1075,7 @@
             <a:fld id="{030F9925-0AA9-4886-BE22-717A27813901}" type="datetime1">
               <a:rPr lang="es-BO"/>
               <a:pPr lvl="0"/>
-              <a:t>11/12/2023</a:t>
+              <a:t>17/1/2024</a:t>
             </a:fld>
             <a:endParaRPr lang="es-BO"/>
           </a:p>
@@ -1286,7 +1286,7 @@
             <a:fld id="{0D681A73-B306-4E29-A7B1-961AF3F96974}" type="datetime1">
               <a:rPr lang="es-BO"/>
               <a:pPr lvl="0"/>
-              <a:t>11/12/2023</a:t>
+              <a:t>17/1/2024</a:t>
             </a:fld>
             <a:endParaRPr lang="es-BO"/>
           </a:p>
@@ -1606,7 +1606,7 @@
             <a:fld id="{6D64A31B-5107-42DF-838D-7BE0D5925B29}" type="datetime1">
               <a:rPr lang="es-BO"/>
               <a:pPr lvl="0"/>
-              <a:t>11/12/2023</a:t>
+              <a:t>17/1/2024</a:t>
             </a:fld>
             <a:endParaRPr lang="es-BO"/>
           </a:p>
@@ -2009,7 +2009,7 @@
             <a:fld id="{ED6339D2-98A0-4385-8045-F50A15CF62F2}" type="datetime1">
               <a:rPr lang="es-BO"/>
               <a:pPr lvl="0"/>
-              <a:t>11/12/2023</a:t>
+              <a:t>17/1/2024</a:t>
             </a:fld>
             <a:endParaRPr lang="es-BO"/>
           </a:p>
@@ -2171,7 +2171,7 @@
             <a:fld id="{EEB873B7-79F3-4980-BFF9-93A68AB13DC7}" type="datetime1">
               <a:rPr lang="es-BO"/>
               <a:pPr lvl="0"/>
-              <a:t>11/12/2023</a:t>
+              <a:t>17/1/2024</a:t>
             </a:fld>
             <a:endParaRPr lang="es-BO"/>
           </a:p>
@@ -2299,7 +2299,7 @@
             <a:fld id="{575AA441-6C1F-48A8-8C59-187BDDFFB634}" type="datetime1">
               <a:rPr lang="es-BO"/>
               <a:pPr lvl="0"/>
-              <a:t>11/12/2023</a:t>
+              <a:t>17/1/2024</a:t>
             </a:fld>
             <a:endParaRPr lang="es-BO"/>
           </a:p>
@@ -2584,7 +2584,7 @@
             <a:fld id="{9917F501-1AC7-48FD-BC91-AF5293903EC9}" type="datetime1">
               <a:rPr lang="es-BO"/>
               <a:pPr lvl="0"/>
-              <a:t>11/12/2023</a:t>
+              <a:t>17/1/2024</a:t>
             </a:fld>
             <a:endParaRPr lang="es-BO"/>
           </a:p>
@@ -2826,7 +2826,7 @@
             <a:fld id="{68FAEEF7-BDB7-478B-99D9-0766A931006F}" type="datetime1">
               <a:rPr lang="es-BO"/>
               <a:pPr lvl="0"/>
-              <a:t>11/12/2023</a:t>
+              <a:t>17/1/2024</a:t>
             </a:fld>
             <a:endParaRPr lang="es-BO"/>
           </a:p>
@@ -3109,7 +3109,7 @@
             <a:fld id="{42B171B8-1F4E-4F34-9C9E-F7BD185BCAF2}" type="datetime1">
               <a:rPr lang="es-BO"/>
               <a:pPr lvl="0"/>
-              <a:t>11/12/2023</a:t>
+              <a:t>17/1/2024</a:t>
             </a:fld>
             <a:endParaRPr lang="es-BO"/>
           </a:p>
@@ -6119,8 +6119,8 @@
           </a:p>
         </p:txBody>
       </p:sp>
-      <mc:AlternateContent xmlns:mc="http://schemas.openxmlformats.org/markup-compatibility/2006">
-        <mc:Choice xmlns:a14="http://schemas.microsoft.com/office/drawing/2010/main" Requires="a14">
+      <mc:AlternateContent xmlns:mc="http://schemas.openxmlformats.org/markup-compatibility/2006" xmlns:a14="http://schemas.microsoft.com/office/drawing/2010/main">
+        <mc:Choice Requires="a14">
           <p:sp>
             <p:nvSpPr>
               <p:cNvPr id="3" name="TextBox 4">
@@ -6242,7 +6242,7 @@
             </p:txBody>
           </p:sp>
         </mc:Choice>
-        <mc:Fallback>
+        <mc:Fallback xmlns="">
           <p:sp>
             <p:nvSpPr>
               <p:cNvPr id="3" name="TextBox 4">
@@ -6290,8 +6290,8 @@
           </p:sp>
         </mc:Fallback>
       </mc:AlternateContent>
-      <mc:AlternateContent xmlns:mc="http://schemas.openxmlformats.org/markup-compatibility/2006">
-        <mc:Choice xmlns:a14="http://schemas.microsoft.com/office/drawing/2010/main" Requires="a14">
+      <mc:AlternateContent xmlns:mc="http://schemas.openxmlformats.org/markup-compatibility/2006" xmlns:a14="http://schemas.microsoft.com/office/drawing/2010/main">
+        <mc:Choice Requires="a14">
           <p:sp>
             <p:nvSpPr>
               <p:cNvPr id="4" name="TextBox 5">
@@ -6398,7 +6398,7 @@
             </p:txBody>
           </p:sp>
         </mc:Choice>
-        <mc:Fallback>
+        <mc:Fallback xmlns="">
           <p:sp>
             <p:nvSpPr>
               <p:cNvPr id="4" name="TextBox 5">
@@ -6446,8 +6446,8 @@
           </p:sp>
         </mc:Fallback>
       </mc:AlternateContent>
-      <mc:AlternateContent xmlns:mc="http://schemas.openxmlformats.org/markup-compatibility/2006">
-        <mc:Choice xmlns:a14="http://schemas.microsoft.com/office/drawing/2010/main" Requires="a14">
+      <mc:AlternateContent xmlns:mc="http://schemas.openxmlformats.org/markup-compatibility/2006" xmlns:a14="http://schemas.microsoft.com/office/drawing/2010/main">
+        <mc:Choice Requires="a14">
           <p:sp>
             <p:nvSpPr>
               <p:cNvPr id="5" name="TextBox 4">
@@ -6506,7 +6506,7 @@
                     <m:oMath xmlns:m="http://schemas.openxmlformats.org/officeDocument/2006/math">
                       <m:r>
                         <a:rPr lang="es-BO" sz="2400" i="0" smtClean="0">
-                          <a:latin typeface="Math Cambria"/>
+                          <a:latin typeface="Cambria Math" panose="02040503050406030204" pitchFamily="18" charset="0"/>
                         </a:rPr>
                         <m:t> </m:t>
                       </m:r>
@@ -6524,19 +6524,19 @@
                       </m:r>
                       <m:r>
                         <a:rPr lang="es-BO" sz="2400" i="0">
-                          <a:latin typeface="Math Cambria"/>
+                          <a:latin typeface="Cambria Math" panose="02040503050406030204" pitchFamily="18" charset="0"/>
                         </a:rPr>
                         <m:t>~ </m:t>
                       </m:r>
                       <m:r>
                         <a:rPr lang="es-BO" sz="2400" i="1">
-                          <a:latin typeface="Math Cambria"/>
+                          <a:latin typeface="Cambria Math" panose="02040503050406030204" pitchFamily="18" charset="0"/>
                         </a:rPr>
                         <m:t>𝑁</m:t>
                       </m:r>
                       <m:r>
                         <a:rPr lang="es-BO" sz="2400" i="0">
-                          <a:latin typeface="Math Cambria"/>
+                          <a:latin typeface="Cambria Math" panose="02040503050406030204" pitchFamily="18" charset="0"/>
                         </a:rPr>
                         <m:t>(0,</m:t>
                       </m:r>
@@ -6551,7 +6551,7 @@
                       </m:r>
                       <m:r>
                         <a:rPr lang="es-BO" sz="2400" i="0">
-                          <a:latin typeface="Math Cambria"/>
+                          <a:latin typeface="Cambria Math" panose="02040503050406030204" pitchFamily="18" charset="0"/>
                         </a:rPr>
                         <m:t>)</m:t>
                       </m:r>
@@ -6569,7 +6569,7 @@
             </p:txBody>
           </p:sp>
         </mc:Choice>
-        <mc:Fallback>
+        <mc:Fallback xmlns="">
           <p:sp>
             <p:nvSpPr>
               <p:cNvPr id="5" name="TextBox 4">
